--- a/singlecell/scRNAseq-expDesign_March_2022.pptx
+++ b/singlecell/scRNAseq-expDesign_March_2022.pptx
@@ -4626,22 +4626,18 @@
             <p:ph idx="1"/>
           </p:nvPr>
         </p:nvSpPr>
-        <p:spPr/>
+        <p:spPr>
+          <a:xfrm>
+            <a:off x="838200" y="1838325"/>
+            <a:ext cx="10515600" cy="4351338"/>
+          </a:xfrm>
+        </p:spPr>
         <p:txBody>
           <a:bodyPr>
             <a:normAutofit/>
           </a:bodyPr>
           <a:lstStyle/>
           <a:p>
-            <a:pPr marL="45720" indent="0">
-              <a:buNone/>
-            </a:pPr>
-            <a:r>
-              <a:rPr lang="en-US" sz="3200" dirty="0"/>
-              <a:t>Factors to consider are:</a:t>
-            </a:r>
-          </a:p>
-          <a:p>
             <a:r>
               <a:rPr lang="en-US" sz="2200" dirty="0"/>
               <a:t>Read length needed depends on likelihood of mapping uniqueness, but generally longer is better and paired-end is better than single-end (except when its not) ( 75bp or greater is best ).</a:t>
@@ -4681,7 +4677,7 @@
         </p:nvSpPr>
         <p:spPr>
           <a:xfrm>
-            <a:off x="966216" y="5691178"/>
+            <a:off x="1029716" y="5674468"/>
             <a:ext cx="10515600" cy="1096210"/>
           </a:xfrm>
           <a:prstGeom prst="rect">
@@ -7111,10 +7107,17 @@
               <a:buChar char="•"/>
             </a:pPr>
             <a:r>
-              <a:rPr lang="en-US" sz="2000"/>
-              <a:t>https://genomebiology.biomedcentral.com/articles/10.1186/s13059-021-02519-4</a:t>
-            </a:r>
-            <a:endParaRPr lang="en-US" sz="2000" dirty="0"/>
+              <a:rPr lang="en-US" sz="2000" dirty="0"/>
+              <a:t>https://</a:t>
+            </a:r>
+            <a:r>
+              <a:rPr lang="en-US" sz="2000" dirty="0" err="1"/>
+              <a:t>genomebiology.biomedcentral.com</a:t>
+            </a:r>
+            <a:r>
+              <a:rPr lang="en-US" sz="2000" dirty="0"/>
+              <a:t>/articles/10.1186/s13059-021-02519-4</a:t>
+            </a:r>
           </a:p>
         </p:txBody>
       </p:sp>
